--- a/Blector.pptx
+++ b/Blector.pptx
@@ -2,7 +2,7 @@
 <file path=ppt/presentation.xml><?xml version="1.0" encoding="utf-8"?>
 <p:presentation xmlns:a="http://schemas.openxmlformats.org/drawingml/2006/main" xmlns:r="http://schemas.openxmlformats.org/officeDocument/2006/relationships" xmlns:p="http://schemas.openxmlformats.org/presentationml/2006/main" autoCompressPictures="0">
   <p:sldMasterIdLst>
-    <p:sldMasterId id="2147483748" r:id="rId1"/>
+    <p:sldMasterId id="2147483932" r:id="rId1"/>
   </p:sldMasterIdLst>
   <p:notesMasterIdLst>
     <p:notesMasterId r:id="rId15"/>
@@ -718,7 +718,7 @@
     </p:spTree>
     <p:extLst>
       <p:ext uri="{BB962C8B-B14F-4D97-AF65-F5344CB8AC3E}">
-        <p14:creationId xmlns:p14="http://schemas.microsoft.com/office/powerpoint/2010/main" val="1835192225"/>
+        <p14:creationId xmlns:p14="http://schemas.microsoft.com/office/powerpoint/2010/main" val="4035420198"/>
       </p:ext>
     </p:extLst>
   </p:cSld>
@@ -997,7 +997,7 @@
     </p:spTree>
     <p:extLst>
       <p:ext uri="{BB962C8B-B14F-4D97-AF65-F5344CB8AC3E}">
-        <p14:creationId xmlns:p14="http://schemas.microsoft.com/office/powerpoint/2010/main" val="4009672257"/>
+        <p14:creationId xmlns:p14="http://schemas.microsoft.com/office/powerpoint/2010/main" val="799200085"/>
       </p:ext>
     </p:extLst>
   </p:cSld>
@@ -1196,7 +1196,7 @@
     </p:spTree>
     <p:extLst>
       <p:ext uri="{BB962C8B-B14F-4D97-AF65-F5344CB8AC3E}">
-        <p14:creationId xmlns:p14="http://schemas.microsoft.com/office/powerpoint/2010/main" val="3531479291"/>
+        <p14:creationId xmlns:p14="http://schemas.microsoft.com/office/powerpoint/2010/main" val="1469731037"/>
       </p:ext>
     </p:extLst>
   </p:cSld>
@@ -1568,7 +1568,7 @@
     </p:spTree>
     <p:extLst>
       <p:ext uri="{BB962C8B-B14F-4D97-AF65-F5344CB8AC3E}">
-        <p14:creationId xmlns:p14="http://schemas.microsoft.com/office/powerpoint/2010/main" val="8378862"/>
+        <p14:creationId xmlns:p14="http://schemas.microsoft.com/office/powerpoint/2010/main" val="3343068960"/>
       </p:ext>
     </p:extLst>
   </p:cSld>
@@ -1820,7 +1820,7 @@
     </p:spTree>
     <p:extLst>
       <p:ext uri="{BB962C8B-B14F-4D97-AF65-F5344CB8AC3E}">
-        <p14:creationId xmlns:p14="http://schemas.microsoft.com/office/powerpoint/2010/main" val="3688099029"/>
+        <p14:creationId xmlns:p14="http://schemas.microsoft.com/office/powerpoint/2010/main" val="3650425405"/>
       </p:ext>
     </p:extLst>
   </p:cSld>
@@ -2448,7 +2448,7 @@
     </p:spTree>
     <p:extLst>
       <p:ext uri="{BB962C8B-B14F-4D97-AF65-F5344CB8AC3E}">
-        <p14:creationId xmlns:p14="http://schemas.microsoft.com/office/powerpoint/2010/main" val="486394515"/>
+        <p14:creationId xmlns:p14="http://schemas.microsoft.com/office/powerpoint/2010/main" val="1021589144"/>
       </p:ext>
     </p:extLst>
   </p:cSld>
@@ -3313,7 +3313,7 @@
     </p:spTree>
     <p:extLst>
       <p:ext uri="{BB962C8B-B14F-4D97-AF65-F5344CB8AC3E}">
-        <p14:creationId xmlns:p14="http://schemas.microsoft.com/office/powerpoint/2010/main" val="1780952399"/>
+        <p14:creationId xmlns:p14="http://schemas.microsoft.com/office/powerpoint/2010/main" val="285299298"/>
       </p:ext>
     </p:extLst>
   </p:cSld>
@@ -3488,7 +3488,7 @@
     </p:spTree>
     <p:extLst>
       <p:ext uri="{BB962C8B-B14F-4D97-AF65-F5344CB8AC3E}">
-        <p14:creationId xmlns:p14="http://schemas.microsoft.com/office/powerpoint/2010/main" val="922312706"/>
+        <p14:creationId xmlns:p14="http://schemas.microsoft.com/office/powerpoint/2010/main" val="2306668988"/>
       </p:ext>
     </p:extLst>
   </p:cSld>
@@ -3672,7 +3672,7 @@
     </p:spTree>
     <p:extLst>
       <p:ext uri="{BB962C8B-B14F-4D97-AF65-F5344CB8AC3E}">
-        <p14:creationId xmlns:p14="http://schemas.microsoft.com/office/powerpoint/2010/main" val="2557126202"/>
+        <p14:creationId xmlns:p14="http://schemas.microsoft.com/office/powerpoint/2010/main" val="526604912"/>
       </p:ext>
     </p:extLst>
   </p:cSld>
@@ -3846,7 +3846,7 @@
     </p:spTree>
     <p:extLst>
       <p:ext uri="{BB962C8B-B14F-4D97-AF65-F5344CB8AC3E}">
-        <p14:creationId xmlns:p14="http://schemas.microsoft.com/office/powerpoint/2010/main" val="1288348964"/>
+        <p14:creationId xmlns:p14="http://schemas.microsoft.com/office/powerpoint/2010/main" val="2935158302"/>
       </p:ext>
     </p:extLst>
   </p:cSld>
@@ -4097,7 +4097,7 @@
     </p:spTree>
     <p:extLst>
       <p:ext uri="{BB962C8B-B14F-4D97-AF65-F5344CB8AC3E}">
-        <p14:creationId xmlns:p14="http://schemas.microsoft.com/office/powerpoint/2010/main" val="2778332984"/>
+        <p14:creationId xmlns:p14="http://schemas.microsoft.com/office/powerpoint/2010/main" val="2589018102"/>
       </p:ext>
     </p:extLst>
   </p:cSld>
@@ -4393,7 +4393,7 @@
     </p:spTree>
     <p:extLst>
       <p:ext uri="{BB962C8B-B14F-4D97-AF65-F5344CB8AC3E}">
-        <p14:creationId xmlns:p14="http://schemas.microsoft.com/office/powerpoint/2010/main" val="3742822086"/>
+        <p14:creationId xmlns:p14="http://schemas.microsoft.com/office/powerpoint/2010/main" val="2203860847"/>
       </p:ext>
     </p:extLst>
   </p:cSld>
@@ -4841,7 +4841,7 @@
     </p:spTree>
     <p:extLst>
       <p:ext uri="{BB962C8B-B14F-4D97-AF65-F5344CB8AC3E}">
-        <p14:creationId xmlns:p14="http://schemas.microsoft.com/office/powerpoint/2010/main" val="3980511425"/>
+        <p14:creationId xmlns:p14="http://schemas.microsoft.com/office/powerpoint/2010/main" val="2165715026"/>
       </p:ext>
     </p:extLst>
   </p:cSld>
@@ -4963,7 +4963,7 @@
     </p:spTree>
     <p:extLst>
       <p:ext uri="{BB962C8B-B14F-4D97-AF65-F5344CB8AC3E}">
-        <p14:creationId xmlns:p14="http://schemas.microsoft.com/office/powerpoint/2010/main" val="336992873"/>
+        <p14:creationId xmlns:p14="http://schemas.microsoft.com/office/powerpoint/2010/main" val="184917451"/>
       </p:ext>
     </p:extLst>
   </p:cSld>
@@ -5062,7 +5062,7 @@
     </p:spTree>
     <p:extLst>
       <p:ext uri="{BB962C8B-B14F-4D97-AF65-F5344CB8AC3E}">
-        <p14:creationId xmlns:p14="http://schemas.microsoft.com/office/powerpoint/2010/main" val="2570068376"/>
+        <p14:creationId xmlns:p14="http://schemas.microsoft.com/office/powerpoint/2010/main" val="4005686897"/>
       </p:ext>
     </p:extLst>
   </p:cSld>
@@ -5345,7 +5345,7 @@
     </p:spTree>
     <p:extLst>
       <p:ext uri="{BB962C8B-B14F-4D97-AF65-F5344CB8AC3E}">
-        <p14:creationId xmlns:p14="http://schemas.microsoft.com/office/powerpoint/2010/main" val="2885754948"/>
+        <p14:creationId xmlns:p14="http://schemas.microsoft.com/office/powerpoint/2010/main" val="2972809239"/>
       </p:ext>
     </p:extLst>
   </p:cSld>
@@ -5624,7 +5624,7 @@
     </p:spTree>
     <p:extLst>
       <p:ext uri="{BB962C8B-B14F-4D97-AF65-F5344CB8AC3E}">
-        <p14:creationId xmlns:p14="http://schemas.microsoft.com/office/powerpoint/2010/main" val="3806981037"/>
+        <p14:creationId xmlns:p14="http://schemas.microsoft.com/office/powerpoint/2010/main" val="4058608265"/>
       </p:ext>
     </p:extLst>
   </p:cSld>
@@ -6094,29 +6094,29 @@
     </p:spTree>
     <p:extLst>
       <p:ext uri="{BB962C8B-B14F-4D97-AF65-F5344CB8AC3E}">
-        <p14:creationId xmlns:p14="http://schemas.microsoft.com/office/powerpoint/2010/main" val="993387312"/>
+        <p14:creationId xmlns:p14="http://schemas.microsoft.com/office/powerpoint/2010/main" val="1231665140"/>
       </p:ext>
     </p:extLst>
   </p:cSld>
   <p:clrMap bg1="dk1" tx1="lt1" bg2="dk2" tx2="lt2" accent1="accent1" accent2="accent2" accent3="accent3" accent4="accent4" accent5="accent5" accent6="accent6" hlink="hlink" folHlink="folHlink"/>
   <p:sldLayoutIdLst>
-    <p:sldLayoutId id="2147483749" r:id="rId1"/>
-    <p:sldLayoutId id="2147483750" r:id="rId2"/>
-    <p:sldLayoutId id="2147483751" r:id="rId3"/>
-    <p:sldLayoutId id="2147483752" r:id="rId4"/>
-    <p:sldLayoutId id="2147483753" r:id="rId5"/>
-    <p:sldLayoutId id="2147483754" r:id="rId6"/>
-    <p:sldLayoutId id="2147483755" r:id="rId7"/>
-    <p:sldLayoutId id="2147483756" r:id="rId8"/>
-    <p:sldLayoutId id="2147483757" r:id="rId9"/>
-    <p:sldLayoutId id="2147483758" r:id="rId10"/>
-    <p:sldLayoutId id="2147483759" r:id="rId11"/>
-    <p:sldLayoutId id="2147483760" r:id="rId12"/>
-    <p:sldLayoutId id="2147483761" r:id="rId13"/>
-    <p:sldLayoutId id="2147483762" r:id="rId14"/>
-    <p:sldLayoutId id="2147483763" r:id="rId15"/>
-    <p:sldLayoutId id="2147483764" r:id="rId16"/>
-    <p:sldLayoutId id="2147483765" r:id="rId17"/>
+    <p:sldLayoutId id="2147483933" r:id="rId1"/>
+    <p:sldLayoutId id="2147483934" r:id="rId2"/>
+    <p:sldLayoutId id="2147483935" r:id="rId3"/>
+    <p:sldLayoutId id="2147483936" r:id="rId4"/>
+    <p:sldLayoutId id="2147483937" r:id="rId5"/>
+    <p:sldLayoutId id="2147483938" r:id="rId6"/>
+    <p:sldLayoutId id="2147483939" r:id="rId7"/>
+    <p:sldLayoutId id="2147483940" r:id="rId8"/>
+    <p:sldLayoutId id="2147483941" r:id="rId9"/>
+    <p:sldLayoutId id="2147483942" r:id="rId10"/>
+    <p:sldLayoutId id="2147483943" r:id="rId11"/>
+    <p:sldLayoutId id="2147483944" r:id="rId12"/>
+    <p:sldLayoutId id="2147483945" r:id="rId13"/>
+    <p:sldLayoutId id="2147483946" r:id="rId14"/>
+    <p:sldLayoutId id="2147483947" r:id="rId15"/>
+    <p:sldLayoutId id="2147483948" r:id="rId16"/>
+    <p:sldLayoutId id="2147483949" r:id="rId17"/>
   </p:sldLayoutIdLst>
   <p:hf hdr="0" dt="0"/>
   <p:txStyles>
@@ -6649,7 +6649,9 @@
         </p:nvSpPr>
         <p:spPr/>
         <p:txBody>
-          <a:bodyPr/>
+          <a:bodyPr>
+            <a:normAutofit/>
+          </a:bodyPr>
           <a:lstStyle/>
           <a:p>
             <a:fld id="{D57F1E4F-1CFF-5643-939E-02111984F565}" type="slidenum">
@@ -6940,7 +6942,296 @@
             </a:r>
             <a:r>
               <a:rPr lang="en-IN" sz="1400" dirty="0"/>
-              <a:t>(reference Implementation)</a:t>
+              <a:t>(reference Implementation</a:t>
+            </a:r>
+            <a:r>
+              <a:rPr lang="en-IN" sz="1400" dirty="0" smtClean="0"/>
+              <a:t>)</a:t>
+            </a:r>
+          </a:p>
+        </p:txBody>
+      </p:sp>
+      <p:sp>
+        <p:nvSpPr>
+          <p:cNvPr id="8" name="Subtitle 2">
+            <a:extLst>
+              <a:ext uri="{FF2B5EF4-FFF2-40B4-BE49-F238E27FC236}">
+                <a16:creationId xmlns:a16="http://schemas.microsoft.com/office/drawing/2014/main" id="{08A63EE2-F18B-4273-A88B-285CC15503CD}"/>
+              </a:ext>
+            </a:extLst>
+          </p:cNvPr>
+          <p:cNvSpPr txBox="1">
+            <a:spLocks/>
+          </p:cNvSpPr>
+          <p:nvPr/>
+        </p:nvSpPr>
+        <p:spPr>
+          <a:xfrm>
+            <a:off x="1154955" y="5059756"/>
+            <a:ext cx="8825658" cy="372590"/>
+          </a:xfrm>
+          <a:prstGeom prst="rect">
+            <a:avLst/>
+          </a:prstGeom>
+        </p:spPr>
+        <p:txBody>
+          <a:bodyPr vert="horz" lIns="91440" tIns="45720" rIns="91440" bIns="45720" rtlCol="0" anchor="t">
+            <a:normAutofit fontScale="70000" lnSpcReduction="20000"/>
+          </a:bodyPr>
+          <a:lstStyle>
+            <a:lvl1pPr marL="0" indent="0" algn="l" defTabSz="457200" rtl="0" eaLnBrk="1" latinLnBrk="0" hangingPunct="1">
+              <a:spcBef>
+                <a:spcPts val="1000"/>
+              </a:spcBef>
+              <a:spcAft>
+                <a:spcPts val="0"/>
+              </a:spcAft>
+              <a:buClr>
+                <a:schemeClr val="accent1">
+                  <a:lumMod val="60000"/>
+                  <a:lumOff val="40000"/>
+                </a:schemeClr>
+              </a:buClr>
+              <a:buSzPct val="80000"/>
+              <a:buFont typeface="Wingdings 3" charset="2"/>
+              <a:buNone/>
+              <a:defRPr sz="2000" b="0" i="0" kern="1200" cap="all">
+                <a:solidFill>
+                  <a:schemeClr val="accent1">
+                    <a:lumMod val="60000"/>
+                    <a:lumOff val="40000"/>
+                  </a:schemeClr>
+                </a:solidFill>
+                <a:latin typeface="+mj-lt"/>
+                <a:ea typeface="+mj-ea"/>
+                <a:cs typeface="+mj-cs"/>
+              </a:defRPr>
+            </a:lvl1pPr>
+            <a:lvl2pPr marL="457200" indent="0" algn="ctr" defTabSz="457200" rtl="0" eaLnBrk="1" latinLnBrk="0" hangingPunct="1">
+              <a:spcBef>
+                <a:spcPts val="1000"/>
+              </a:spcBef>
+              <a:spcAft>
+                <a:spcPts val="0"/>
+              </a:spcAft>
+              <a:buClr>
+                <a:schemeClr val="accent1">
+                  <a:lumMod val="60000"/>
+                  <a:lumOff val="40000"/>
+                </a:schemeClr>
+              </a:buClr>
+              <a:buSzPct val="80000"/>
+              <a:buFont typeface="Wingdings 3" charset="2"/>
+              <a:buNone/>
+              <a:defRPr sz="1800" b="0" i="0" kern="1200">
+                <a:solidFill>
+                  <a:schemeClr val="tx1">
+                    <a:tint val="75000"/>
+                  </a:schemeClr>
+                </a:solidFill>
+                <a:latin typeface="+mj-lt"/>
+                <a:ea typeface="+mj-ea"/>
+                <a:cs typeface="+mj-cs"/>
+              </a:defRPr>
+            </a:lvl2pPr>
+            <a:lvl3pPr marL="914400" indent="0" algn="ctr" defTabSz="457200" rtl="0" eaLnBrk="1" latinLnBrk="0" hangingPunct="1">
+              <a:spcBef>
+                <a:spcPts val="1000"/>
+              </a:spcBef>
+              <a:spcAft>
+                <a:spcPts val="0"/>
+              </a:spcAft>
+              <a:buClr>
+                <a:schemeClr val="accent1">
+                  <a:lumMod val="60000"/>
+                  <a:lumOff val="40000"/>
+                </a:schemeClr>
+              </a:buClr>
+              <a:buSzPct val="80000"/>
+              <a:buFont typeface="Wingdings 3" charset="2"/>
+              <a:buNone/>
+              <a:defRPr sz="1600" b="0" i="0" kern="1200">
+                <a:solidFill>
+                  <a:schemeClr val="tx1">
+                    <a:tint val="75000"/>
+                  </a:schemeClr>
+                </a:solidFill>
+                <a:latin typeface="+mj-lt"/>
+                <a:ea typeface="+mj-ea"/>
+                <a:cs typeface="+mj-cs"/>
+              </a:defRPr>
+            </a:lvl3pPr>
+            <a:lvl4pPr marL="1371600" indent="0" algn="ctr" defTabSz="457200" rtl="0" eaLnBrk="1" latinLnBrk="0" hangingPunct="1">
+              <a:spcBef>
+                <a:spcPts val="1000"/>
+              </a:spcBef>
+              <a:spcAft>
+                <a:spcPts val="0"/>
+              </a:spcAft>
+              <a:buClr>
+                <a:schemeClr val="accent1">
+                  <a:lumMod val="60000"/>
+                  <a:lumOff val="40000"/>
+                </a:schemeClr>
+              </a:buClr>
+              <a:buSzPct val="80000"/>
+              <a:buFont typeface="Wingdings 3" charset="2"/>
+              <a:buNone/>
+              <a:defRPr sz="1400" b="0" i="0" kern="1200">
+                <a:solidFill>
+                  <a:schemeClr val="tx1">
+                    <a:tint val="75000"/>
+                  </a:schemeClr>
+                </a:solidFill>
+                <a:latin typeface="+mj-lt"/>
+                <a:ea typeface="+mj-ea"/>
+                <a:cs typeface="+mj-cs"/>
+              </a:defRPr>
+            </a:lvl4pPr>
+            <a:lvl5pPr marL="1828800" indent="0" algn="ctr" defTabSz="457200" rtl="0" eaLnBrk="1" latinLnBrk="0" hangingPunct="1">
+              <a:spcBef>
+                <a:spcPts val="1000"/>
+              </a:spcBef>
+              <a:spcAft>
+                <a:spcPts val="0"/>
+              </a:spcAft>
+              <a:buClr>
+                <a:schemeClr val="accent1">
+                  <a:lumMod val="60000"/>
+                  <a:lumOff val="40000"/>
+                </a:schemeClr>
+              </a:buClr>
+              <a:buSzPct val="80000"/>
+              <a:buFont typeface="Wingdings 3" charset="2"/>
+              <a:buNone/>
+              <a:defRPr sz="1400" b="0" i="0" kern="1200">
+                <a:solidFill>
+                  <a:schemeClr val="tx1">
+                    <a:tint val="75000"/>
+                  </a:schemeClr>
+                </a:solidFill>
+                <a:latin typeface="+mj-lt"/>
+                <a:ea typeface="+mj-ea"/>
+                <a:cs typeface="+mj-cs"/>
+              </a:defRPr>
+            </a:lvl5pPr>
+            <a:lvl6pPr marL="2286000" indent="0" algn="ctr" defTabSz="457200" rtl="0" eaLnBrk="1" latinLnBrk="0" hangingPunct="1">
+              <a:spcBef>
+                <a:spcPts val="1000"/>
+              </a:spcBef>
+              <a:spcAft>
+                <a:spcPts val="0"/>
+              </a:spcAft>
+              <a:buClr>
+                <a:schemeClr val="accent1">
+                  <a:lumMod val="60000"/>
+                  <a:lumOff val="40000"/>
+                </a:schemeClr>
+              </a:buClr>
+              <a:buSzPct val="80000"/>
+              <a:buFont typeface="Wingdings 3" charset="2"/>
+              <a:buNone/>
+              <a:defRPr sz="1400" b="0" i="0" kern="1200">
+                <a:solidFill>
+                  <a:schemeClr val="tx1">
+                    <a:tint val="75000"/>
+                  </a:schemeClr>
+                </a:solidFill>
+                <a:latin typeface="+mj-lt"/>
+                <a:ea typeface="+mj-ea"/>
+                <a:cs typeface="+mj-cs"/>
+              </a:defRPr>
+            </a:lvl6pPr>
+            <a:lvl7pPr marL="2743200" indent="0" algn="ctr" defTabSz="457200" rtl="0" eaLnBrk="1" latinLnBrk="0" hangingPunct="1">
+              <a:spcBef>
+                <a:spcPts val="1000"/>
+              </a:spcBef>
+              <a:spcAft>
+                <a:spcPts val="0"/>
+              </a:spcAft>
+              <a:buClr>
+                <a:schemeClr val="accent1">
+                  <a:lumMod val="60000"/>
+                  <a:lumOff val="40000"/>
+                </a:schemeClr>
+              </a:buClr>
+              <a:buSzPct val="80000"/>
+              <a:buFont typeface="Wingdings 3" charset="2"/>
+              <a:buNone/>
+              <a:defRPr sz="1400" b="0" i="0" kern="1200">
+                <a:solidFill>
+                  <a:schemeClr val="tx1">
+                    <a:tint val="75000"/>
+                  </a:schemeClr>
+                </a:solidFill>
+                <a:latin typeface="+mj-lt"/>
+                <a:ea typeface="+mj-ea"/>
+                <a:cs typeface="+mj-cs"/>
+              </a:defRPr>
+            </a:lvl7pPr>
+            <a:lvl8pPr marL="3200400" indent="0" algn="ctr" defTabSz="457200" rtl="0" eaLnBrk="1" latinLnBrk="0" hangingPunct="1">
+              <a:spcBef>
+                <a:spcPts val="1000"/>
+              </a:spcBef>
+              <a:spcAft>
+                <a:spcPts val="0"/>
+              </a:spcAft>
+              <a:buClr>
+                <a:schemeClr val="accent1">
+                  <a:lumMod val="60000"/>
+                  <a:lumOff val="40000"/>
+                </a:schemeClr>
+              </a:buClr>
+              <a:buSzPct val="80000"/>
+              <a:buFont typeface="Wingdings 3" charset="2"/>
+              <a:buNone/>
+              <a:defRPr sz="1400" b="0" i="0" kern="1200">
+                <a:solidFill>
+                  <a:schemeClr val="tx1">
+                    <a:tint val="75000"/>
+                  </a:schemeClr>
+                </a:solidFill>
+                <a:latin typeface="+mj-lt"/>
+                <a:ea typeface="+mj-ea"/>
+                <a:cs typeface="+mj-cs"/>
+              </a:defRPr>
+            </a:lvl8pPr>
+            <a:lvl9pPr marL="3657600" indent="0" algn="ctr" defTabSz="457200" rtl="0" eaLnBrk="1" latinLnBrk="0" hangingPunct="1">
+              <a:spcBef>
+                <a:spcPts val="1000"/>
+              </a:spcBef>
+              <a:spcAft>
+                <a:spcPts val="0"/>
+              </a:spcAft>
+              <a:buClr>
+                <a:schemeClr val="accent1">
+                  <a:lumMod val="60000"/>
+                  <a:lumOff val="40000"/>
+                </a:schemeClr>
+              </a:buClr>
+              <a:buSzPct val="80000"/>
+              <a:buFont typeface="Wingdings 3" charset="2"/>
+              <a:buNone/>
+              <a:defRPr sz="1400" b="0" i="0" kern="1200">
+                <a:solidFill>
+                  <a:schemeClr val="tx1">
+                    <a:tint val="75000"/>
+                  </a:schemeClr>
+                </a:solidFill>
+                <a:latin typeface="+mj-lt"/>
+                <a:ea typeface="+mj-ea"/>
+                <a:cs typeface="+mj-cs"/>
+              </a:defRPr>
+            </a:lvl9pPr>
+          </a:lstStyle>
+          <a:p>
+            <a:r>
+              <a:rPr lang="en-IN" sz="1600" dirty="0" smtClean="0"/>
+              <a:t>https</a:t>
+            </a:r>
+            <a:r>
+              <a:rPr lang="en-IN" sz="1600" dirty="0"/>
+              <a:t>://github.com/nvijaykarthik/block-chain-electronic-voting-reference-implementation-using-javascript</a:t>
             </a:r>
             <a:endParaRPr lang="en-IN" sz="1600" dirty="0"/>
           </a:p>
@@ -7039,7 +7330,9 @@
           </a:xfrm>
         </p:spPr>
         <p:txBody>
-          <a:bodyPr/>
+          <a:bodyPr>
+            <a:normAutofit/>
+          </a:bodyPr>
           <a:lstStyle/>
           <a:p>
             <a:r>
@@ -7137,7 +7430,9 @@
         </p:nvSpPr>
         <p:spPr/>
         <p:txBody>
-          <a:bodyPr/>
+          <a:bodyPr>
+            <a:normAutofit/>
+          </a:bodyPr>
           <a:lstStyle/>
           <a:p>
             <a:fld id="{D57F1E4F-1CFF-5643-939E-02111984F565}" type="slidenum">
@@ -7789,7 +8084,9 @@
           </a:xfrm>
         </p:spPr>
         <p:txBody>
-          <a:bodyPr/>
+          <a:bodyPr>
+            <a:normAutofit/>
+          </a:bodyPr>
           <a:lstStyle/>
           <a:p>
             <a:r>
@@ -7871,7 +8168,9 @@
         </p:nvSpPr>
         <p:spPr/>
         <p:txBody>
-          <a:bodyPr/>
+          <a:bodyPr>
+            <a:normAutofit/>
+          </a:bodyPr>
           <a:lstStyle/>
           <a:p>
             <a:fld id="{D57F1E4F-1CFF-5643-939E-02111984F565}" type="slidenum">
@@ -7921,6 +8220,34 @@
       </p:grpSpPr>
       <p:sp>
         <p:nvSpPr>
+          <p:cNvPr id="6" name="Title 5"/>
+          <p:cNvSpPr>
+            <a:spLocks noGrp="1"/>
+          </p:cNvSpPr>
+          <p:nvPr>
+            <p:ph type="title"/>
+          </p:nvPr>
+        </p:nvSpPr>
+        <p:spPr>
+          <a:xfrm>
+            <a:off x="2491537" y="2846783"/>
+            <a:ext cx="6569336" cy="902257"/>
+          </a:xfrm>
+        </p:spPr>
+        <p:txBody>
+          <a:bodyPr/>
+          <a:lstStyle/>
+          <a:p>
+            <a:r>
+              <a:rPr lang="en-US" dirty="0" smtClean="0"/>
+              <a:t>Demonstration</a:t>
+            </a:r>
+            <a:endParaRPr lang="en-US" dirty="0"/>
+          </a:p>
+        </p:txBody>
+      </p:sp>
+      <p:sp>
+        <p:nvSpPr>
           <p:cNvPr id="4" name="Footer Placeholder 3">
             <a:extLst>
               <a:ext uri="{FF2B5EF4-FFF2-40B4-BE49-F238E27FC236}">
@@ -7966,41 +8293,15 @@
         </p:nvSpPr>
         <p:spPr/>
         <p:txBody>
-          <a:bodyPr/>
+          <a:bodyPr>
+            <a:normAutofit/>
+          </a:bodyPr>
           <a:lstStyle/>
           <a:p>
             <a:fld id="{D57F1E4F-1CFF-5643-939E-02111984F565}" type="slidenum">
               <a:rPr lang="en-US" smtClean="0"/>
               <a:t>12</a:t>
             </a:fld>
-            <a:endParaRPr lang="en-US" dirty="0"/>
-          </a:p>
-        </p:txBody>
-      </p:sp>
-      <p:sp>
-        <p:nvSpPr>
-          <p:cNvPr id="6" name="Title 5"/>
-          <p:cNvSpPr>
-            <a:spLocks noGrp="1"/>
-          </p:cNvSpPr>
-          <p:nvPr>
-            <p:ph type="title"/>
-          </p:nvPr>
-        </p:nvSpPr>
-        <p:spPr>
-          <a:xfrm>
-            <a:off x="2491537" y="2846783"/>
-            <a:ext cx="6569336" cy="902257"/>
-          </a:xfrm>
-        </p:spPr>
-        <p:txBody>
-          <a:bodyPr/>
-          <a:lstStyle/>
-          <a:p>
-            <a:r>
-              <a:rPr lang="en-US" dirty="0" smtClean="0"/>
-              <a:t>Demonstration</a:t>
-            </a:r>
             <a:endParaRPr lang="en-US" dirty="0"/>
           </a:p>
         </p:txBody>
@@ -8100,7 +8401,9 @@
         </p:nvSpPr>
         <p:spPr/>
         <p:txBody>
-          <a:bodyPr/>
+          <a:bodyPr>
+            <a:normAutofit/>
+          </a:bodyPr>
           <a:lstStyle/>
           <a:p>
             <a:fld id="{D57F1E4F-1CFF-5643-939E-02111984F565}" type="slidenum">
@@ -8213,15 +8516,26 @@
           <a:p>
             <a:r>
               <a:rPr lang="en-IN" sz="2400" dirty="0"/>
-              <a:t>Block chain is a platform where we can implement many </a:t>
-            </a:r>
-            <a:r>
-              <a:rPr lang="en-IN" sz="2400" dirty="0" err="1"/>
+              <a:t>Block chain is a platform where we can implement </a:t>
+            </a:r>
+            <a:r>
+              <a:rPr lang="en-IN" sz="2400" dirty="0" err="1" smtClean="0"/>
               <a:t>usecase</a:t>
             </a:r>
             <a:r>
               <a:rPr lang="en-IN" sz="2400" dirty="0"/>
-              <a:t> where the data once created cannot be tampered.</a:t>
+              <a:t>.</a:t>
+            </a:r>
+            <a:endParaRPr lang="en-IN" sz="2400" dirty="0" smtClean="0"/>
+          </a:p>
+          <a:p>
+            <a:r>
+              <a:rPr lang="en-IN" sz="2400" dirty="0" smtClean="0"/>
+              <a:t>Data once </a:t>
+            </a:r>
+            <a:r>
+              <a:rPr lang="en-IN" sz="2400" dirty="0"/>
+              <a:t>created cannot be tampered.</a:t>
             </a:r>
           </a:p>
           <a:p>
@@ -8303,7 +8617,9 @@
         </p:nvSpPr>
         <p:spPr/>
         <p:txBody>
-          <a:bodyPr/>
+          <a:bodyPr>
+            <a:normAutofit/>
+          </a:bodyPr>
           <a:lstStyle/>
           <a:p>
             <a:fld id="{D57F1E4F-1CFF-5643-939E-02111984F565}" type="slidenum">
@@ -8501,7 +8817,9 @@
         </p:nvSpPr>
         <p:spPr/>
         <p:txBody>
-          <a:bodyPr/>
+          <a:bodyPr>
+            <a:normAutofit/>
+          </a:bodyPr>
           <a:lstStyle/>
           <a:p>
             <a:fld id="{D57F1E4F-1CFF-5643-939E-02111984F565}" type="slidenum">
@@ -9533,10 +9851,6 @@
                 </a:rPr>
                 <a:t>All Mining Nodes </a:t>
               </a:r>
-              <a:endParaRPr lang="en-US" sz="1000" dirty="0">
-                <a:latin typeface="Calibri" panose="020F0502020204030204" pitchFamily="34" charset="0"/>
-                <a:cs typeface="Calibri" panose="020F0502020204030204" pitchFamily="34" charset="0"/>
-              </a:endParaRPr>
             </a:p>
           </p:txBody>
         </p:sp>
@@ -10468,7 +10782,9 @@
         </p:nvSpPr>
         <p:spPr/>
         <p:txBody>
-          <a:bodyPr/>
+          <a:bodyPr>
+            <a:normAutofit/>
+          </a:bodyPr>
           <a:lstStyle/>
           <a:p>
             <a:fld id="{D57F1E4F-1CFF-5643-939E-02111984F565}" type="slidenum">
@@ -10600,7 +10916,9 @@
         </p:nvSpPr>
         <p:spPr/>
         <p:txBody>
-          <a:bodyPr/>
+          <a:bodyPr>
+            <a:normAutofit/>
+          </a:bodyPr>
           <a:lstStyle/>
           <a:p>
             <a:fld id="{D57F1E4F-1CFF-5643-939E-02111984F565}" type="slidenum">
@@ -12560,13 +12878,8 @@
             </a:r>
             <a:r>
               <a:rPr lang="en-IN" dirty="0" smtClean="0"/>
-              <a:t> </a:t>
-            </a:r>
-            <a:r>
-              <a:rPr lang="en-IN" dirty="0" smtClean="0"/>
-              <a:t>)</a:t>
-            </a:r>
-            <a:endParaRPr lang="en-IN" dirty="0" smtClean="0"/>
+              <a:t> )</a:t>
+            </a:r>
           </a:p>
           <a:p>
             <a:endParaRPr lang="en-IN" dirty="0" smtClean="0"/>
@@ -12620,7 +12933,9 @@
         </p:nvSpPr>
         <p:spPr/>
         <p:txBody>
-          <a:bodyPr/>
+          <a:bodyPr>
+            <a:normAutofit/>
+          </a:bodyPr>
           <a:lstStyle/>
           <a:p>
             <a:fld id="{D57F1E4F-1CFF-5643-939E-02111984F565}" type="slidenum">
@@ -13758,7 +14073,9 @@
         </p:nvSpPr>
         <p:spPr/>
         <p:txBody>
-          <a:bodyPr/>
+          <a:bodyPr>
+            <a:normAutofit/>
+          </a:bodyPr>
           <a:lstStyle/>
           <a:p>
             <a:fld id="{D57F1E4F-1CFF-5643-939E-02111984F565}" type="slidenum">
@@ -14566,7 +14883,9 @@
         </p:nvSpPr>
         <p:spPr/>
         <p:txBody>
-          <a:bodyPr/>
+          <a:bodyPr>
+            <a:normAutofit/>
+          </a:bodyPr>
           <a:lstStyle/>
           <a:p>
             <a:fld id="{D57F1E4F-1CFF-5643-939E-02111984F565}" type="slidenum">
@@ -15250,7 +15569,9 @@
           </a:xfrm>
         </p:spPr>
         <p:txBody>
-          <a:bodyPr/>
+          <a:bodyPr>
+            <a:normAutofit fontScale="90000"/>
+          </a:bodyPr>
           <a:lstStyle/>
           <a:p>
             <a:r>
@@ -15295,19 +15616,7 @@
           <a:p>
             <a:r>
               <a:rPr lang="en-IN" dirty="0" smtClean="0"/>
-              <a:t>Mining </a:t>
-            </a:r>
-            <a:r>
-              <a:rPr lang="en-IN" dirty="0" smtClean="0"/>
-              <a:t>is a process of creating a block from the </a:t>
-            </a:r>
-            <a:r>
-              <a:rPr lang="en-IN" dirty="0" smtClean="0"/>
-              <a:t>pending transaction </a:t>
-            </a:r>
-            <a:r>
-              <a:rPr lang="en-IN" dirty="0" smtClean="0"/>
-              <a:t>and add to the chain.</a:t>
+              <a:t>Mining is a process of creating a block from the pending transaction and add to the chain.</a:t>
             </a:r>
           </a:p>
           <a:p>
@@ -15395,7 +15704,9 @@
         </p:nvSpPr>
         <p:spPr/>
         <p:txBody>
-          <a:bodyPr/>
+          <a:bodyPr>
+            <a:normAutofit/>
+          </a:bodyPr>
           <a:lstStyle/>
           <a:p>
             <a:fld id="{D57F1E4F-1CFF-5643-939E-02111984F565}" type="slidenum">
@@ -16005,7 +16316,7 @@
 <file path=ppt/theme/theme1.xml><?xml version="1.0" encoding="utf-8"?>
 <a:theme xmlns:a="http://schemas.openxmlformats.org/drawingml/2006/main" name="Ion">
   <a:themeElements>
-    <a:clrScheme name="Blue Green">
+    <a:clrScheme name="Blue II">
       <a:dk1>
         <a:sysClr val="windowText" lastClr="000000"/>
       </a:dk1>
@@ -16013,34 +16324,34 @@
         <a:sysClr val="window" lastClr="FFFFFF"/>
       </a:lt1>
       <a:dk2>
-        <a:srgbClr val="373545"/>
+        <a:srgbClr val="335B74"/>
       </a:dk2>
       <a:lt2>
-        <a:srgbClr val="CEDBE6"/>
+        <a:srgbClr val="DFE3E5"/>
       </a:lt2>
       <a:accent1>
-        <a:srgbClr val="3494BA"/>
+        <a:srgbClr val="1CADE4"/>
       </a:accent1>
       <a:accent2>
-        <a:srgbClr val="58B6C0"/>
+        <a:srgbClr val="2683C6"/>
       </a:accent2>
       <a:accent3>
-        <a:srgbClr val="75BDA7"/>
+        <a:srgbClr val="27CED7"/>
       </a:accent3>
       <a:accent4>
-        <a:srgbClr val="7A8C8E"/>
+        <a:srgbClr val="42BA97"/>
       </a:accent4>
       <a:accent5>
-        <a:srgbClr val="84ACB6"/>
+        <a:srgbClr val="3E8853"/>
       </a:accent5>
       <a:accent6>
-        <a:srgbClr val="2683C6"/>
+        <a:srgbClr val="62A39F"/>
       </a:accent6>
       <a:hlink>
-        <a:srgbClr val="6B9F25"/>
+        <a:srgbClr val="6EAC1C"/>
       </a:hlink>
       <a:folHlink>
-        <a:srgbClr val="9F6715"/>
+        <a:srgbClr val="B26B02"/>
       </a:folHlink>
     </a:clrScheme>
     <a:fontScheme name="Ion">

--- a/Blector.pptx
+++ b/Blector.pptx
@@ -2,7 +2,7 @@
 <file path=ppt/presentation.xml><?xml version="1.0" encoding="utf-8"?>
 <p:presentation xmlns:a="http://schemas.openxmlformats.org/drawingml/2006/main" xmlns:r="http://schemas.openxmlformats.org/officeDocument/2006/relationships" xmlns:p="http://schemas.openxmlformats.org/presentationml/2006/main" autoCompressPictures="0">
   <p:sldMasterIdLst>
-    <p:sldMasterId id="2147483748" r:id="rId1"/>
+    <p:sldMasterId id="2147483932" r:id="rId1"/>
   </p:sldMasterIdLst>
   <p:notesMasterIdLst>
     <p:notesMasterId r:id="rId15"/>
@@ -718,7 +718,7 @@
     </p:spTree>
     <p:extLst>
       <p:ext uri="{BB962C8B-B14F-4D97-AF65-F5344CB8AC3E}">
-        <p14:creationId xmlns:p14="http://schemas.microsoft.com/office/powerpoint/2010/main" val="1835192225"/>
+        <p14:creationId xmlns:p14="http://schemas.microsoft.com/office/powerpoint/2010/main" val="4035420198"/>
       </p:ext>
     </p:extLst>
   </p:cSld>
@@ -997,7 +997,7 @@
     </p:spTree>
     <p:extLst>
       <p:ext uri="{BB962C8B-B14F-4D97-AF65-F5344CB8AC3E}">
-        <p14:creationId xmlns:p14="http://schemas.microsoft.com/office/powerpoint/2010/main" val="4009672257"/>
+        <p14:creationId xmlns:p14="http://schemas.microsoft.com/office/powerpoint/2010/main" val="799200085"/>
       </p:ext>
     </p:extLst>
   </p:cSld>
@@ -1196,7 +1196,7 @@
     </p:spTree>
     <p:extLst>
       <p:ext uri="{BB962C8B-B14F-4D97-AF65-F5344CB8AC3E}">
-        <p14:creationId xmlns:p14="http://schemas.microsoft.com/office/powerpoint/2010/main" val="3531479291"/>
+        <p14:creationId xmlns:p14="http://schemas.microsoft.com/office/powerpoint/2010/main" val="1469731037"/>
       </p:ext>
     </p:extLst>
   </p:cSld>
@@ -1568,7 +1568,7 @@
     </p:spTree>
     <p:extLst>
       <p:ext uri="{BB962C8B-B14F-4D97-AF65-F5344CB8AC3E}">
-        <p14:creationId xmlns:p14="http://schemas.microsoft.com/office/powerpoint/2010/main" val="8378862"/>
+        <p14:creationId xmlns:p14="http://schemas.microsoft.com/office/powerpoint/2010/main" val="3343068960"/>
       </p:ext>
     </p:extLst>
   </p:cSld>
@@ -1820,7 +1820,7 @@
     </p:spTree>
     <p:extLst>
       <p:ext uri="{BB962C8B-B14F-4D97-AF65-F5344CB8AC3E}">
-        <p14:creationId xmlns:p14="http://schemas.microsoft.com/office/powerpoint/2010/main" val="3688099029"/>
+        <p14:creationId xmlns:p14="http://schemas.microsoft.com/office/powerpoint/2010/main" val="3650425405"/>
       </p:ext>
     </p:extLst>
   </p:cSld>
@@ -2448,7 +2448,7 @@
     </p:spTree>
     <p:extLst>
       <p:ext uri="{BB962C8B-B14F-4D97-AF65-F5344CB8AC3E}">
-        <p14:creationId xmlns:p14="http://schemas.microsoft.com/office/powerpoint/2010/main" val="486394515"/>
+        <p14:creationId xmlns:p14="http://schemas.microsoft.com/office/powerpoint/2010/main" val="1021589144"/>
       </p:ext>
     </p:extLst>
   </p:cSld>
@@ -3313,7 +3313,7 @@
     </p:spTree>
     <p:extLst>
       <p:ext uri="{BB962C8B-B14F-4D97-AF65-F5344CB8AC3E}">
-        <p14:creationId xmlns:p14="http://schemas.microsoft.com/office/powerpoint/2010/main" val="1780952399"/>
+        <p14:creationId xmlns:p14="http://schemas.microsoft.com/office/powerpoint/2010/main" val="285299298"/>
       </p:ext>
     </p:extLst>
   </p:cSld>
@@ -3488,7 +3488,7 @@
     </p:spTree>
     <p:extLst>
       <p:ext uri="{BB962C8B-B14F-4D97-AF65-F5344CB8AC3E}">
-        <p14:creationId xmlns:p14="http://schemas.microsoft.com/office/powerpoint/2010/main" val="922312706"/>
+        <p14:creationId xmlns:p14="http://schemas.microsoft.com/office/powerpoint/2010/main" val="2306668988"/>
       </p:ext>
     </p:extLst>
   </p:cSld>
@@ -3672,7 +3672,7 @@
     </p:spTree>
     <p:extLst>
       <p:ext uri="{BB962C8B-B14F-4D97-AF65-F5344CB8AC3E}">
-        <p14:creationId xmlns:p14="http://schemas.microsoft.com/office/powerpoint/2010/main" val="2557126202"/>
+        <p14:creationId xmlns:p14="http://schemas.microsoft.com/office/powerpoint/2010/main" val="526604912"/>
       </p:ext>
     </p:extLst>
   </p:cSld>
@@ -3846,7 +3846,7 @@
     </p:spTree>
     <p:extLst>
       <p:ext uri="{BB962C8B-B14F-4D97-AF65-F5344CB8AC3E}">
-        <p14:creationId xmlns:p14="http://schemas.microsoft.com/office/powerpoint/2010/main" val="1288348964"/>
+        <p14:creationId xmlns:p14="http://schemas.microsoft.com/office/powerpoint/2010/main" val="2935158302"/>
       </p:ext>
     </p:extLst>
   </p:cSld>
@@ -4097,7 +4097,7 @@
     </p:spTree>
     <p:extLst>
       <p:ext uri="{BB962C8B-B14F-4D97-AF65-F5344CB8AC3E}">
-        <p14:creationId xmlns:p14="http://schemas.microsoft.com/office/powerpoint/2010/main" val="2778332984"/>
+        <p14:creationId xmlns:p14="http://schemas.microsoft.com/office/powerpoint/2010/main" val="2589018102"/>
       </p:ext>
     </p:extLst>
   </p:cSld>
@@ -4393,7 +4393,7 @@
     </p:spTree>
     <p:extLst>
       <p:ext uri="{BB962C8B-B14F-4D97-AF65-F5344CB8AC3E}">
-        <p14:creationId xmlns:p14="http://schemas.microsoft.com/office/powerpoint/2010/main" val="3742822086"/>
+        <p14:creationId xmlns:p14="http://schemas.microsoft.com/office/powerpoint/2010/main" val="2203860847"/>
       </p:ext>
     </p:extLst>
   </p:cSld>
@@ -4841,7 +4841,7 @@
     </p:spTree>
     <p:extLst>
       <p:ext uri="{BB962C8B-B14F-4D97-AF65-F5344CB8AC3E}">
-        <p14:creationId xmlns:p14="http://schemas.microsoft.com/office/powerpoint/2010/main" val="3980511425"/>
+        <p14:creationId xmlns:p14="http://schemas.microsoft.com/office/powerpoint/2010/main" val="2165715026"/>
       </p:ext>
     </p:extLst>
   </p:cSld>
@@ -4963,7 +4963,7 @@
     </p:spTree>
     <p:extLst>
       <p:ext uri="{BB962C8B-B14F-4D97-AF65-F5344CB8AC3E}">
-        <p14:creationId xmlns:p14="http://schemas.microsoft.com/office/powerpoint/2010/main" val="336992873"/>
+        <p14:creationId xmlns:p14="http://schemas.microsoft.com/office/powerpoint/2010/main" val="184917451"/>
       </p:ext>
     </p:extLst>
   </p:cSld>
@@ -5062,7 +5062,7 @@
     </p:spTree>
     <p:extLst>
       <p:ext uri="{BB962C8B-B14F-4D97-AF65-F5344CB8AC3E}">
-        <p14:creationId xmlns:p14="http://schemas.microsoft.com/office/powerpoint/2010/main" val="2570068376"/>
+        <p14:creationId xmlns:p14="http://schemas.microsoft.com/office/powerpoint/2010/main" val="4005686897"/>
       </p:ext>
     </p:extLst>
   </p:cSld>
@@ -5345,7 +5345,7 @@
     </p:spTree>
     <p:extLst>
       <p:ext uri="{BB962C8B-B14F-4D97-AF65-F5344CB8AC3E}">
-        <p14:creationId xmlns:p14="http://schemas.microsoft.com/office/powerpoint/2010/main" val="2885754948"/>
+        <p14:creationId xmlns:p14="http://schemas.microsoft.com/office/powerpoint/2010/main" val="2972809239"/>
       </p:ext>
     </p:extLst>
   </p:cSld>
@@ -5624,7 +5624,7 @@
     </p:spTree>
     <p:extLst>
       <p:ext uri="{BB962C8B-B14F-4D97-AF65-F5344CB8AC3E}">
-        <p14:creationId xmlns:p14="http://schemas.microsoft.com/office/powerpoint/2010/main" val="3806981037"/>
+        <p14:creationId xmlns:p14="http://schemas.microsoft.com/office/powerpoint/2010/main" val="4058608265"/>
       </p:ext>
     </p:extLst>
   </p:cSld>
@@ -6094,29 +6094,29 @@
     </p:spTree>
     <p:extLst>
       <p:ext uri="{BB962C8B-B14F-4D97-AF65-F5344CB8AC3E}">
-        <p14:creationId xmlns:p14="http://schemas.microsoft.com/office/powerpoint/2010/main" val="993387312"/>
+        <p14:creationId xmlns:p14="http://schemas.microsoft.com/office/powerpoint/2010/main" val="1231665140"/>
       </p:ext>
     </p:extLst>
   </p:cSld>
   <p:clrMap bg1="dk1" tx1="lt1" bg2="dk2" tx2="lt2" accent1="accent1" accent2="accent2" accent3="accent3" accent4="accent4" accent5="accent5" accent6="accent6" hlink="hlink" folHlink="folHlink"/>
   <p:sldLayoutIdLst>
-    <p:sldLayoutId id="2147483749" r:id="rId1"/>
-    <p:sldLayoutId id="2147483750" r:id="rId2"/>
-    <p:sldLayoutId id="2147483751" r:id="rId3"/>
-    <p:sldLayoutId id="2147483752" r:id="rId4"/>
-    <p:sldLayoutId id="2147483753" r:id="rId5"/>
-    <p:sldLayoutId id="2147483754" r:id="rId6"/>
-    <p:sldLayoutId id="2147483755" r:id="rId7"/>
-    <p:sldLayoutId id="2147483756" r:id="rId8"/>
-    <p:sldLayoutId id="2147483757" r:id="rId9"/>
-    <p:sldLayoutId id="2147483758" r:id="rId10"/>
-    <p:sldLayoutId id="2147483759" r:id="rId11"/>
-    <p:sldLayoutId id="2147483760" r:id="rId12"/>
-    <p:sldLayoutId id="2147483761" r:id="rId13"/>
-    <p:sldLayoutId id="2147483762" r:id="rId14"/>
-    <p:sldLayoutId id="2147483763" r:id="rId15"/>
-    <p:sldLayoutId id="2147483764" r:id="rId16"/>
-    <p:sldLayoutId id="2147483765" r:id="rId17"/>
+    <p:sldLayoutId id="2147483933" r:id="rId1"/>
+    <p:sldLayoutId id="2147483934" r:id="rId2"/>
+    <p:sldLayoutId id="2147483935" r:id="rId3"/>
+    <p:sldLayoutId id="2147483936" r:id="rId4"/>
+    <p:sldLayoutId id="2147483937" r:id="rId5"/>
+    <p:sldLayoutId id="2147483938" r:id="rId6"/>
+    <p:sldLayoutId id="2147483939" r:id="rId7"/>
+    <p:sldLayoutId id="2147483940" r:id="rId8"/>
+    <p:sldLayoutId id="2147483941" r:id="rId9"/>
+    <p:sldLayoutId id="2147483942" r:id="rId10"/>
+    <p:sldLayoutId id="2147483943" r:id="rId11"/>
+    <p:sldLayoutId id="2147483944" r:id="rId12"/>
+    <p:sldLayoutId id="2147483945" r:id="rId13"/>
+    <p:sldLayoutId id="2147483946" r:id="rId14"/>
+    <p:sldLayoutId id="2147483947" r:id="rId15"/>
+    <p:sldLayoutId id="2147483948" r:id="rId16"/>
+    <p:sldLayoutId id="2147483949" r:id="rId17"/>
   </p:sldLayoutIdLst>
   <p:hf hdr="0" dt="0"/>
   <p:txStyles>
@@ -6649,7 +6649,9 @@
         </p:nvSpPr>
         <p:spPr/>
         <p:txBody>
-          <a:bodyPr/>
+          <a:bodyPr>
+            <a:normAutofit/>
+          </a:bodyPr>
           <a:lstStyle/>
           <a:p>
             <a:fld id="{D57F1E4F-1CFF-5643-939E-02111984F565}" type="slidenum">
@@ -7039,7 +7041,9 @@
           </a:xfrm>
         </p:spPr>
         <p:txBody>
-          <a:bodyPr/>
+          <a:bodyPr>
+            <a:normAutofit/>
+          </a:bodyPr>
           <a:lstStyle/>
           <a:p>
             <a:r>
@@ -7137,7 +7141,9 @@
         </p:nvSpPr>
         <p:spPr/>
         <p:txBody>
-          <a:bodyPr/>
+          <a:bodyPr>
+            <a:normAutofit/>
+          </a:bodyPr>
           <a:lstStyle/>
           <a:p>
             <a:fld id="{D57F1E4F-1CFF-5643-939E-02111984F565}" type="slidenum">
@@ -7789,7 +7795,9 @@
           </a:xfrm>
         </p:spPr>
         <p:txBody>
-          <a:bodyPr/>
+          <a:bodyPr>
+            <a:normAutofit/>
+          </a:bodyPr>
           <a:lstStyle/>
           <a:p>
             <a:r>
@@ -7871,7 +7879,9 @@
         </p:nvSpPr>
         <p:spPr/>
         <p:txBody>
-          <a:bodyPr/>
+          <a:bodyPr>
+            <a:normAutofit/>
+          </a:bodyPr>
           <a:lstStyle/>
           <a:p>
             <a:fld id="{D57F1E4F-1CFF-5643-939E-02111984F565}" type="slidenum">
@@ -7921,6 +7931,34 @@
       </p:grpSpPr>
       <p:sp>
         <p:nvSpPr>
+          <p:cNvPr id="6" name="Title 5"/>
+          <p:cNvSpPr>
+            <a:spLocks noGrp="1"/>
+          </p:cNvSpPr>
+          <p:nvPr>
+            <p:ph type="title"/>
+          </p:nvPr>
+        </p:nvSpPr>
+        <p:spPr>
+          <a:xfrm>
+            <a:off x="2491537" y="2846783"/>
+            <a:ext cx="6569336" cy="902257"/>
+          </a:xfrm>
+        </p:spPr>
+        <p:txBody>
+          <a:bodyPr/>
+          <a:lstStyle/>
+          <a:p>
+            <a:r>
+              <a:rPr lang="en-US" dirty="0" smtClean="0"/>
+              <a:t>Demonstration</a:t>
+            </a:r>
+            <a:endParaRPr lang="en-US" dirty="0"/>
+          </a:p>
+        </p:txBody>
+      </p:sp>
+      <p:sp>
+        <p:nvSpPr>
           <p:cNvPr id="4" name="Footer Placeholder 3">
             <a:extLst>
               <a:ext uri="{FF2B5EF4-FFF2-40B4-BE49-F238E27FC236}">
@@ -7966,41 +8004,15 @@
         </p:nvSpPr>
         <p:spPr/>
         <p:txBody>
-          <a:bodyPr/>
+          <a:bodyPr>
+            <a:normAutofit/>
+          </a:bodyPr>
           <a:lstStyle/>
           <a:p>
             <a:fld id="{D57F1E4F-1CFF-5643-939E-02111984F565}" type="slidenum">
               <a:rPr lang="en-US" smtClean="0"/>
               <a:t>12</a:t>
             </a:fld>
-            <a:endParaRPr lang="en-US" dirty="0"/>
-          </a:p>
-        </p:txBody>
-      </p:sp>
-      <p:sp>
-        <p:nvSpPr>
-          <p:cNvPr id="6" name="Title 5"/>
-          <p:cNvSpPr>
-            <a:spLocks noGrp="1"/>
-          </p:cNvSpPr>
-          <p:nvPr>
-            <p:ph type="title"/>
-          </p:nvPr>
-        </p:nvSpPr>
-        <p:spPr>
-          <a:xfrm>
-            <a:off x="2491537" y="2846783"/>
-            <a:ext cx="6569336" cy="902257"/>
-          </a:xfrm>
-        </p:spPr>
-        <p:txBody>
-          <a:bodyPr/>
-          <a:lstStyle/>
-          <a:p>
-            <a:r>
-              <a:rPr lang="en-US" dirty="0" smtClean="0"/>
-              <a:t>Demonstration</a:t>
-            </a:r>
             <a:endParaRPr lang="en-US" dirty="0"/>
           </a:p>
         </p:txBody>
@@ -8100,7 +8112,9 @@
         </p:nvSpPr>
         <p:spPr/>
         <p:txBody>
-          <a:bodyPr/>
+          <a:bodyPr>
+            <a:normAutofit/>
+          </a:bodyPr>
           <a:lstStyle/>
           <a:p>
             <a:fld id="{D57F1E4F-1CFF-5643-939E-02111984F565}" type="slidenum">
@@ -8213,15 +8227,26 @@
           <a:p>
             <a:r>
               <a:rPr lang="en-IN" sz="2400" dirty="0"/>
-              <a:t>Block chain is a platform where we can implement many </a:t>
-            </a:r>
-            <a:r>
-              <a:rPr lang="en-IN" sz="2400" dirty="0" err="1"/>
+              <a:t>Block chain is a platform where we can implement </a:t>
+            </a:r>
+            <a:r>
+              <a:rPr lang="en-IN" sz="2400" dirty="0" err="1" smtClean="0"/>
               <a:t>usecase</a:t>
             </a:r>
             <a:r>
               <a:rPr lang="en-IN" sz="2400" dirty="0"/>
-              <a:t> where the data once created cannot be tampered.</a:t>
+              <a:t>.</a:t>
+            </a:r>
+            <a:endParaRPr lang="en-IN" sz="2400" dirty="0" smtClean="0"/>
+          </a:p>
+          <a:p>
+            <a:r>
+              <a:rPr lang="en-IN" sz="2400" dirty="0" smtClean="0"/>
+              <a:t>Data once </a:t>
+            </a:r>
+            <a:r>
+              <a:rPr lang="en-IN" sz="2400" dirty="0"/>
+              <a:t>created cannot be tampered.</a:t>
             </a:r>
           </a:p>
           <a:p>
@@ -8303,7 +8328,9 @@
         </p:nvSpPr>
         <p:spPr/>
         <p:txBody>
-          <a:bodyPr/>
+          <a:bodyPr>
+            <a:normAutofit/>
+          </a:bodyPr>
           <a:lstStyle/>
           <a:p>
             <a:fld id="{D57F1E4F-1CFF-5643-939E-02111984F565}" type="slidenum">
@@ -8501,7 +8528,9 @@
         </p:nvSpPr>
         <p:spPr/>
         <p:txBody>
-          <a:bodyPr/>
+          <a:bodyPr>
+            <a:normAutofit/>
+          </a:bodyPr>
           <a:lstStyle/>
           <a:p>
             <a:fld id="{D57F1E4F-1CFF-5643-939E-02111984F565}" type="slidenum">
@@ -10468,7 +10497,9 @@
         </p:nvSpPr>
         <p:spPr/>
         <p:txBody>
-          <a:bodyPr/>
+          <a:bodyPr>
+            <a:normAutofit/>
+          </a:bodyPr>
           <a:lstStyle/>
           <a:p>
             <a:fld id="{D57F1E4F-1CFF-5643-939E-02111984F565}" type="slidenum">
@@ -10600,7 +10631,9 @@
         </p:nvSpPr>
         <p:spPr/>
         <p:txBody>
-          <a:bodyPr/>
+          <a:bodyPr>
+            <a:normAutofit/>
+          </a:bodyPr>
           <a:lstStyle/>
           <a:p>
             <a:fld id="{D57F1E4F-1CFF-5643-939E-02111984F565}" type="slidenum">
@@ -12620,7 +12653,9 @@
         </p:nvSpPr>
         <p:spPr/>
         <p:txBody>
-          <a:bodyPr/>
+          <a:bodyPr>
+            <a:normAutofit/>
+          </a:bodyPr>
           <a:lstStyle/>
           <a:p>
             <a:fld id="{D57F1E4F-1CFF-5643-939E-02111984F565}" type="slidenum">
@@ -13758,7 +13793,9 @@
         </p:nvSpPr>
         <p:spPr/>
         <p:txBody>
-          <a:bodyPr/>
+          <a:bodyPr>
+            <a:normAutofit/>
+          </a:bodyPr>
           <a:lstStyle/>
           <a:p>
             <a:fld id="{D57F1E4F-1CFF-5643-939E-02111984F565}" type="slidenum">
@@ -14566,7 +14603,9 @@
         </p:nvSpPr>
         <p:spPr/>
         <p:txBody>
-          <a:bodyPr/>
+          <a:bodyPr>
+            <a:normAutofit/>
+          </a:bodyPr>
           <a:lstStyle/>
           <a:p>
             <a:fld id="{D57F1E4F-1CFF-5643-939E-02111984F565}" type="slidenum">
@@ -15250,7 +15289,9 @@
           </a:xfrm>
         </p:spPr>
         <p:txBody>
-          <a:bodyPr/>
+          <a:bodyPr>
+            <a:normAutofit fontScale="90000"/>
+          </a:bodyPr>
           <a:lstStyle/>
           <a:p>
             <a:r>
@@ -15395,7 +15436,9 @@
         </p:nvSpPr>
         <p:spPr/>
         <p:txBody>
-          <a:bodyPr/>
+          <a:bodyPr>
+            <a:normAutofit/>
+          </a:bodyPr>
           <a:lstStyle/>
           <a:p>
             <a:fld id="{D57F1E4F-1CFF-5643-939E-02111984F565}" type="slidenum">
@@ -16005,7 +16048,7 @@
 <file path=ppt/theme/theme1.xml><?xml version="1.0" encoding="utf-8"?>
 <a:theme xmlns:a="http://schemas.openxmlformats.org/drawingml/2006/main" name="Ion">
   <a:themeElements>
-    <a:clrScheme name="Blue Green">
+    <a:clrScheme name="Blue II">
       <a:dk1>
         <a:sysClr val="windowText" lastClr="000000"/>
       </a:dk1>
@@ -16013,34 +16056,34 @@
         <a:sysClr val="window" lastClr="FFFFFF"/>
       </a:lt1>
       <a:dk2>
-        <a:srgbClr val="373545"/>
+        <a:srgbClr val="335B74"/>
       </a:dk2>
       <a:lt2>
-        <a:srgbClr val="CEDBE6"/>
+        <a:srgbClr val="DFE3E5"/>
       </a:lt2>
       <a:accent1>
-        <a:srgbClr val="3494BA"/>
+        <a:srgbClr val="1CADE4"/>
       </a:accent1>
       <a:accent2>
-        <a:srgbClr val="58B6C0"/>
+        <a:srgbClr val="2683C6"/>
       </a:accent2>
       <a:accent3>
-        <a:srgbClr val="75BDA7"/>
+        <a:srgbClr val="27CED7"/>
       </a:accent3>
       <a:accent4>
-        <a:srgbClr val="7A8C8E"/>
+        <a:srgbClr val="42BA97"/>
       </a:accent4>
       <a:accent5>
-        <a:srgbClr val="84ACB6"/>
+        <a:srgbClr val="3E8853"/>
       </a:accent5>
       <a:accent6>
-        <a:srgbClr val="2683C6"/>
+        <a:srgbClr val="62A39F"/>
       </a:accent6>
       <a:hlink>
-        <a:srgbClr val="6B9F25"/>
+        <a:srgbClr val="6EAC1C"/>
       </a:hlink>
       <a:folHlink>
-        <a:srgbClr val="9F6715"/>
+        <a:srgbClr val="B26B02"/>
       </a:folHlink>
     </a:clrScheme>
     <a:fontScheme name="Ion">

--- a/Blector.pptx
+++ b/Blector.pptx
@@ -5,7 +5,7 @@
     <p:sldMasterId id="2147483932" r:id="rId1"/>
   </p:sldMasterIdLst>
   <p:notesMasterIdLst>
-    <p:notesMasterId r:id="rId15"/>
+    <p:notesMasterId r:id="rId16"/>
   </p:notesMasterIdLst>
   <p:sldIdLst>
     <p:sldId id="256" r:id="rId2"/>
@@ -20,7 +20,8 @@
     <p:sldId id="266" r:id="rId11"/>
     <p:sldId id="267" r:id="rId12"/>
     <p:sldId id="269" r:id="rId13"/>
-    <p:sldId id="270" r:id="rId14"/>
+    <p:sldId id="271" r:id="rId14"/>
+    <p:sldId id="270" r:id="rId15"/>
   </p:sldIdLst>
   <p:sldSz cx="12192000" cy="6858000"/>
   <p:notesSz cx="6858000" cy="9144000"/>
@@ -209,7 +210,7 @@
           <a:p>
             <a:fld id="{E1D23098-9039-4C35-829F-33D638C7665F}" type="datetimeFigureOut">
               <a:rPr lang="en-IN" smtClean="0"/>
-              <a:t>15-10-2018</a:t>
+              <a:t>19-12-2018</a:t>
             </a:fld>
             <a:endParaRPr lang="en-IN"/>
           </a:p>
@@ -663,7 +664,7 @@
           <a:p>
             <a:fld id="{B1448B0F-4044-4948-9C14-784ED487FD42}" type="datetime1">
               <a:rPr lang="en-US" smtClean="0"/>
-              <a:t>10/15/2018</a:t>
+              <a:t>12/19/2018</a:t>
             </a:fld>
             <a:endParaRPr lang="en-US" dirty="0"/>
           </a:p>
@@ -942,7 +943,7 @@
           <a:p>
             <a:fld id="{078615F3-F217-44EA-A1F7-9816B044B0A7}" type="datetime1">
               <a:rPr lang="en-US" smtClean="0"/>
-              <a:t>10/15/2018</a:t>
+              <a:t>12/19/2018</a:t>
             </a:fld>
             <a:endParaRPr lang="en-US" dirty="0"/>
           </a:p>
@@ -1141,7 +1142,7 @@
           <a:p>
             <a:fld id="{078615F3-F217-44EA-A1F7-9816B044B0A7}" type="datetime1">
               <a:rPr lang="en-US" smtClean="0"/>
-              <a:t>10/15/2018</a:t>
+              <a:t>12/19/2018</a:t>
             </a:fld>
             <a:endParaRPr lang="en-US" dirty="0"/>
           </a:p>
@@ -1419,7 +1420,7 @@
           <a:p>
             <a:fld id="{078615F3-F217-44EA-A1F7-9816B044B0A7}" type="datetime1">
               <a:rPr lang="en-US" smtClean="0"/>
-              <a:t>10/15/2018</a:t>
+              <a:t>12/19/2018</a:t>
             </a:fld>
             <a:endParaRPr lang="en-US" dirty="0"/>
           </a:p>
@@ -1765,7 +1766,7 @@
           <a:p>
             <a:fld id="{078615F3-F217-44EA-A1F7-9816B044B0A7}" type="datetime1">
               <a:rPr lang="en-US" smtClean="0"/>
-              <a:t>10/15/2018</a:t>
+              <a:t>12/19/2018</a:t>
             </a:fld>
             <a:endParaRPr lang="en-US" dirty="0"/>
           </a:p>
@@ -2393,7 +2394,7 @@
           <a:p>
             <a:fld id="{078615F3-F217-44EA-A1F7-9816B044B0A7}" type="datetime1">
               <a:rPr lang="en-US" smtClean="0"/>
-              <a:t>10/15/2018</a:t>
+              <a:t>12/19/2018</a:t>
             </a:fld>
             <a:endParaRPr lang="en-US" dirty="0"/>
           </a:p>
@@ -3258,7 +3259,7 @@
           <a:p>
             <a:fld id="{078615F3-F217-44EA-A1F7-9816B044B0A7}" type="datetime1">
               <a:rPr lang="en-US" smtClean="0"/>
-              <a:t>10/15/2018</a:t>
+              <a:t>12/19/2018</a:t>
             </a:fld>
             <a:endParaRPr lang="en-US" dirty="0"/>
           </a:p>
@@ -3433,7 +3434,7 @@
           <a:p>
             <a:fld id="{41BBE4D3-B173-4DE9-B680-66EFED5ED497}" type="datetime1">
               <a:rPr lang="en-US" smtClean="0"/>
-              <a:t>10/15/2018</a:t>
+              <a:t>12/19/2018</a:t>
             </a:fld>
             <a:endParaRPr lang="en-US" dirty="0"/>
           </a:p>
@@ -3617,7 +3618,7 @@
           <a:p>
             <a:fld id="{CF133136-9A94-46F7-8C2B-CF73775F741F}" type="datetime1">
               <a:rPr lang="en-US" smtClean="0"/>
-              <a:t>10/15/2018</a:t>
+              <a:t>12/19/2018</a:t>
             </a:fld>
             <a:endParaRPr lang="en-US" dirty="0"/>
           </a:p>
@@ -3791,7 +3792,7 @@
           <a:p>
             <a:fld id="{FC8406E4-ECEC-4E1C-B066-4A769C49CD1B}" type="datetime1">
               <a:rPr lang="en-US" smtClean="0"/>
-              <a:t>10/15/2018</a:t>
+              <a:t>12/19/2018</a:t>
             </a:fld>
             <a:endParaRPr lang="en-US" dirty="0"/>
           </a:p>
@@ -4042,7 +4043,7 @@
           <a:p>
             <a:fld id="{76C842DB-7686-433A-B922-A9C958497604}" type="datetime1">
               <a:rPr lang="en-US" smtClean="0"/>
-              <a:t>10/15/2018</a:t>
+              <a:t>12/19/2018</a:t>
             </a:fld>
             <a:endParaRPr lang="en-US" dirty="0"/>
           </a:p>
@@ -4338,7 +4339,7 @@
           <a:p>
             <a:fld id="{D25DD8F9-6815-4455-8A57-EE63EDC959EA}" type="datetime1">
               <a:rPr lang="en-US" smtClean="0"/>
-              <a:t>10/15/2018</a:t>
+              <a:t>12/19/2018</a:t>
             </a:fld>
             <a:endParaRPr lang="en-US" dirty="0"/>
           </a:p>
@@ -4786,7 +4787,7 @@
           <a:p>
             <a:fld id="{6F1098F5-E94E-4A9A-AD1D-19FC504DF3D0}" type="datetime1">
               <a:rPr lang="en-US" smtClean="0"/>
-              <a:t>10/15/2018</a:t>
+              <a:t>12/19/2018</a:t>
             </a:fld>
             <a:endParaRPr lang="en-US" dirty="0"/>
           </a:p>
@@ -4908,7 +4909,7 @@
           <a:p>
             <a:fld id="{5D9C57F3-3B37-45CC-9BDF-131EDF5C7E16}" type="datetime1">
               <a:rPr lang="en-US" smtClean="0"/>
-              <a:t>10/15/2018</a:t>
+              <a:t>12/19/2018</a:t>
             </a:fld>
             <a:endParaRPr lang="en-US" dirty="0"/>
           </a:p>
@@ -5007,7 +5008,7 @@
           <a:p>
             <a:fld id="{6FAA29AC-F413-47EC-A4C5-981AF64F4B51}" type="datetime1">
               <a:rPr lang="en-US" smtClean="0"/>
-              <a:t>10/15/2018</a:t>
+              <a:t>12/19/2018</a:t>
             </a:fld>
             <a:endParaRPr lang="en-US" dirty="0"/>
           </a:p>
@@ -5290,7 +5291,7 @@
           <a:p>
             <a:fld id="{ECCE5F33-668E-4D49-BA6A-F55B9E7206A0}" type="datetime1">
               <a:rPr lang="en-US" smtClean="0"/>
-              <a:t>10/15/2018</a:t>
+              <a:t>12/19/2018</a:t>
             </a:fld>
             <a:endParaRPr lang="en-US" dirty="0"/>
           </a:p>
@@ -5569,7 +5570,7 @@
           <a:p>
             <a:fld id="{BDCCB224-47E2-4398-A905-A260FC2F90D5}" type="datetime1">
               <a:rPr lang="en-US" smtClean="0"/>
-              <a:t>10/15/2018</a:t>
+              <a:t>12/19/2018</a:t>
             </a:fld>
             <a:endParaRPr lang="en-US" dirty="0"/>
           </a:p>
@@ -6002,7 +6003,7 @@
           <a:p>
             <a:fld id="{078615F3-F217-44EA-A1F7-9816B044B0A7}" type="datetime1">
               <a:rPr lang="en-US" smtClean="0"/>
-              <a:t>10/15/2018</a:t>
+              <a:t>12/19/2018</a:t>
             </a:fld>
             <a:endParaRPr lang="en-US" dirty="0"/>
           </a:p>
@@ -7233,7 +7234,6 @@
               <a:rPr lang="en-IN" sz="1600" dirty="0"/>
               <a:t>://github.com/nvijaykarthik/block-chain-electronic-voting-reference-implementation-using-javascript</a:t>
             </a:r>
-            <a:endParaRPr lang="en-IN" sz="1600" dirty="0"/>
           </a:p>
         </p:txBody>
       </p:sp>
@@ -8345,6 +8345,161 @@
       </p:grpSpPr>
       <p:sp>
         <p:nvSpPr>
+          <p:cNvPr id="4" name="Footer Placeholder 3"/>
+          <p:cNvSpPr>
+            <a:spLocks noGrp="1"/>
+          </p:cNvSpPr>
+          <p:nvPr>
+            <p:ph type="ftr" sz="quarter" idx="11"/>
+          </p:nvPr>
+        </p:nvSpPr>
+        <p:spPr/>
+        <p:txBody>
+          <a:bodyPr/>
+          <a:lstStyle/>
+          <a:p>
+            <a:r>
+              <a:rPr lang="en-US" smtClean="0"/>
+              <a:t>Blector - from: vijaykarthik n</a:t>
+            </a:r>
+            <a:endParaRPr lang="en-US" dirty="0"/>
+          </a:p>
+        </p:txBody>
+      </p:sp>
+      <p:sp>
+        <p:nvSpPr>
+          <p:cNvPr id="5" name="Slide Number Placeholder 4"/>
+          <p:cNvSpPr>
+            <a:spLocks noGrp="1"/>
+          </p:cNvSpPr>
+          <p:nvPr>
+            <p:ph type="sldNum" sz="quarter" idx="12"/>
+          </p:nvPr>
+        </p:nvSpPr>
+        <p:spPr/>
+        <p:txBody>
+          <a:bodyPr/>
+          <a:lstStyle/>
+          <a:p>
+            <a:fld id="{D57F1E4F-1CFF-5643-939E-02111984F565}" type="slidenum">
+              <a:rPr lang="en-US" smtClean="0"/>
+              <a:t>13</a:t>
+            </a:fld>
+            <a:endParaRPr lang="en-US" dirty="0"/>
+          </a:p>
+        </p:txBody>
+      </p:sp>
+      <p:pic>
+        <p:nvPicPr>
+          <p:cNvPr id="6" name="Picture 5"/>
+          <p:cNvPicPr>
+            <a:picLocks noChangeAspect="1"/>
+          </p:cNvPicPr>
+          <p:nvPr/>
+        </p:nvPicPr>
+        <p:blipFill>
+          <a:blip r:embed="rId2"/>
+          <a:stretch>
+            <a:fillRect/>
+          </a:stretch>
+        </p:blipFill>
+        <p:spPr>
+          <a:xfrm>
+            <a:off x="102577" y="434340"/>
+            <a:ext cx="5387927" cy="2918460"/>
+          </a:xfrm>
+          <a:prstGeom prst="rect">
+            <a:avLst/>
+          </a:prstGeom>
+        </p:spPr>
+      </p:pic>
+      <p:pic>
+        <p:nvPicPr>
+          <p:cNvPr id="7" name="Picture 6"/>
+          <p:cNvPicPr>
+            <a:picLocks noChangeAspect="1"/>
+          </p:cNvPicPr>
+          <p:nvPr/>
+        </p:nvPicPr>
+        <p:blipFill>
+          <a:blip r:embed="rId3"/>
+          <a:stretch>
+            <a:fillRect/>
+          </a:stretch>
+        </p:blipFill>
+        <p:spPr>
+          <a:xfrm>
+            <a:off x="509613" y="2872378"/>
+            <a:ext cx="5963758" cy="3354614"/>
+          </a:xfrm>
+          <a:prstGeom prst="rect">
+            <a:avLst/>
+          </a:prstGeom>
+        </p:spPr>
+      </p:pic>
+      <p:pic>
+        <p:nvPicPr>
+          <p:cNvPr id="8" name="Picture 7"/>
+          <p:cNvPicPr>
+            <a:picLocks noChangeAspect="1"/>
+          </p:cNvPicPr>
+          <p:nvPr/>
+        </p:nvPicPr>
+        <p:blipFill>
+          <a:blip r:embed="rId4"/>
+          <a:stretch>
+            <a:fillRect/>
+          </a:stretch>
+        </p:blipFill>
+        <p:spPr>
+          <a:xfrm>
+            <a:off x="5668163" y="1447800"/>
+            <a:ext cx="6206531" cy="3361871"/>
+          </a:xfrm>
+          <a:prstGeom prst="rect">
+            <a:avLst/>
+          </a:prstGeom>
+        </p:spPr>
+      </p:pic>
+    </p:spTree>
+    <p:extLst>
+      <p:ext uri="{BB962C8B-B14F-4D97-AF65-F5344CB8AC3E}">
+        <p14:creationId xmlns:p14="http://schemas.microsoft.com/office/powerpoint/2010/main" val="3146930778"/>
+      </p:ext>
+    </p:extLst>
+  </p:cSld>
+  <p:clrMapOvr>
+    <a:masterClrMapping/>
+  </p:clrMapOvr>
+  <p:timing>
+    <p:tnLst>
+      <p:par>
+        <p:cTn id="1" dur="indefinite" restart="never" nodeType="tmRoot"/>
+      </p:par>
+    </p:tnLst>
+  </p:timing>
+</p:sld>
+</file>
+
+<file path=ppt/slides/slide14.xml><?xml version="1.0" encoding="utf-8"?>
+<p:sld xmlns:a="http://schemas.openxmlformats.org/drawingml/2006/main" xmlns:r="http://schemas.openxmlformats.org/officeDocument/2006/relationships" xmlns:p="http://schemas.openxmlformats.org/presentationml/2006/main">
+  <p:cSld>
+    <p:spTree>
+      <p:nvGrpSpPr>
+        <p:cNvPr id="1" name=""/>
+        <p:cNvGrpSpPr/>
+        <p:nvPr/>
+      </p:nvGrpSpPr>
+      <p:grpSpPr>
+        <a:xfrm>
+          <a:off x="0" y="0"/>
+          <a:ext cx="0" cy="0"/>
+          <a:chOff x="0" y="0"/>
+          <a:chExt cx="0" cy="0"/>
+        </a:xfrm>
+      </p:grpSpPr>
+      <p:sp>
+        <p:nvSpPr>
           <p:cNvPr id="2" name="Title 1"/>
           <p:cNvSpPr>
             <a:spLocks noGrp="1"/>
@@ -8408,7 +8563,7 @@
           <a:p>
             <a:fld id="{D57F1E4F-1CFF-5643-939E-02111984F565}" type="slidenum">
               <a:rPr lang="en-US" smtClean="0"/>
-              <a:t>13</a:t>
+              <a:t>14</a:t>
             </a:fld>
             <a:endParaRPr lang="en-US" dirty="0"/>
           </a:p>
@@ -8424,6 +8579,13 @@
   <p:clrMapOvr>
     <a:masterClrMapping/>
   </p:clrMapOvr>
+  <p:timing>
+    <p:tnLst>
+      <p:par>
+        <p:cTn id="1" dur="indefinite" restart="never" nodeType="tmRoot"/>
+      </p:par>
+    </p:tnLst>
+  </p:timing>
 </p:sld>
 </file>
 
@@ -8519,12 +8681,16 @@
               <a:t>Block chain is a platform where we can implement </a:t>
             </a:r>
             <a:r>
+              <a:rPr lang="en-IN" sz="2400" dirty="0" smtClean="0"/>
+              <a:t>different </a:t>
+            </a:r>
+            <a:r>
               <a:rPr lang="en-IN" sz="2400" dirty="0" err="1" smtClean="0"/>
               <a:t>usecase</a:t>
             </a:r>
             <a:r>
-              <a:rPr lang="en-IN" sz="2400" dirty="0"/>
-              <a:t>.</a:t>
+              <a:rPr lang="en-IN" sz="2400" dirty="0" smtClean="0"/>
+              <a:t>.	</a:t>
             </a:r>
             <a:endParaRPr lang="en-IN" sz="2400" dirty="0" smtClean="0"/>
           </a:p>
